--- a/Slides/Lecture06 - Asynchronous and Parallel Programming in CSharp.pptx
+++ b/Slides/Lecture06 - Asynchronous and Parallel Programming in CSharp.pptx
@@ -16,8 +16,8 @@
     <p:sldId id="881" r:id="rId7"/>
     <p:sldId id="882" r:id="rId8"/>
     <p:sldId id="883" r:id="rId9"/>
-    <p:sldId id="884" r:id="rId10"/>
-    <p:sldId id="885" r:id="rId11"/>
+    <p:sldId id="885" r:id="rId10"/>
+    <p:sldId id="884" r:id="rId11"/>
     <p:sldId id="886" r:id="rId12"/>
     <p:sldId id="887" r:id="rId13"/>
     <p:sldId id="888" r:id="rId14"/>
@@ -137,8 +137,8 @@
             <p14:sldId id="881"/>
             <p14:sldId id="882"/>
             <p14:sldId id="883"/>
+            <p14:sldId id="885"/>
             <p14:sldId id="884"/>
-            <p14:sldId id="885"/>
             <p14:sldId id="886"/>
             <p14:sldId id="887"/>
             <p14:sldId id="888"/>
@@ -368,7 +368,7 @@
               <a:rPr lang="en-US" smtClean="0">
                 <a:latin typeface="Segoe UI" pitchFamily="34" charset="0"/>
               </a:rPr>
-              <a:t>10/4/2017</a:t>
+              <a:t>10/5/2017</a:t>
             </a:fld>
             <a:endParaRPr lang="en-US" dirty="0">
               <a:latin typeface="Segoe UI" pitchFamily="34" charset="0"/>
@@ -691,7 +691,7 @@
             <a:fld id="{D51B1278-D92B-4AF3-A9C1-71DD298190CE}" type="datetimeFigureOut">
               <a:rPr lang="en-US" smtClean="0"/>
               <a:pPr/>
-              <a:t>10/4/2017</a:t>
+              <a:t>10/5/2017</a:t>
             </a:fld>
             <a:endParaRPr lang="en-US" dirty="0"/>
           </a:p>
@@ -3126,7 +3126,7 @@
           <a:p>
             <a:fld id="{EF3D8E67-0BA6-400F-A971-2DDC931422AA}" type="datetimeFigureOut">
               <a:rPr lang="da-DK" smtClean="0"/>
-              <a:t>04-10-2017</a:t>
+              <a:t>05-10-2017</a:t>
             </a:fld>
             <a:endParaRPr lang="da-DK"/>
           </a:p>
@@ -7301,31 +7301,38 @@
             <a:endParaRPr lang="en-US" dirty="0"/>
           </a:p>
           <a:p>
+            <a:pPr marL="0" indent="0">
+              <a:buNone/>
+            </a:pPr>
+            <a:r>
+              <a:rPr lang="en-US" dirty="0"/>
+              <a:t>Leverage multicore CPUs</a:t>
+            </a:r>
+          </a:p>
+          <a:p>
+            <a:pPr marL="0" indent="0">
+              <a:buNone/>
+            </a:pPr>
+            <a:r>
+              <a:rPr lang="en-US" dirty="0"/>
+              <a:t>Speed</a:t>
+            </a:r>
+          </a:p>
+          <a:p>
+            <a:pPr marL="0" indent="0">
+              <a:buNone/>
+            </a:pPr>
+            <a:r>
+              <a:rPr lang="en-US" dirty="0"/>
+              <a:t>The operating system decides the order</a:t>
+            </a:r>
+          </a:p>
+          <a:p>
             <a:pPr>
               <a:buFontTx/>
               <a:buChar char="-"/>
             </a:pPr>
-            <a:r>
-              <a:rPr lang="en-US" dirty="0"/>
-              <a:t>Leverage multicore CPUs</a:t>
-            </a:r>
-          </a:p>
-          <a:p>
-            <a:pPr>
-              <a:buFontTx/>
-              <a:buChar char="-"/>
-            </a:pPr>
-            <a:r>
-              <a:rPr lang="en-US" dirty="0"/>
-              <a:t>Speed</a:t>
-            </a:r>
-          </a:p>
-          <a:p>
-            <a:pPr>
-              <a:buFontTx/>
-              <a:buChar char="-"/>
-            </a:pPr>
-            <a:endParaRPr lang="da-DK" dirty="0"/>
+            <a:endParaRPr lang="en-US" dirty="0"/>
           </a:p>
         </p:txBody>
       </p:sp>
@@ -8554,62 +8561,6 @@
       </p:grpSpPr>
       <p:sp>
         <p:nvSpPr>
-          <p:cNvPr id="2" name="Title 1"/>
-          <p:cNvSpPr>
-            <a:spLocks noGrp="1"/>
-          </p:cNvSpPr>
-          <p:nvPr>
-            <p:ph type="title"/>
-          </p:nvPr>
-        </p:nvSpPr>
-        <p:spPr/>
-        <p:txBody>
-          <a:bodyPr/>
-          <a:lstStyle/>
-          <a:p>
-            <a:r>
-              <a:rPr lang="en-US" dirty="0"/>
-              <a:t>Threads Demo</a:t>
-            </a:r>
-            <a:endParaRPr lang="da-DK" dirty="0"/>
-          </a:p>
-        </p:txBody>
-      </p:sp>
-    </p:spTree>
-    <p:extLst>
-      <p:ext uri="{BB962C8B-B14F-4D97-AF65-F5344CB8AC3E}">
-        <p14:creationId xmlns:p14="http://schemas.microsoft.com/office/powerpoint/2010/main" val="3736204600"/>
-      </p:ext>
-    </p:extLst>
-  </p:cSld>
-  <p:clrMapOvr>
-    <a:masterClrMapping/>
-  </p:clrMapOvr>
-  <p:transition>
-    <p:fade/>
-  </p:transition>
-</p:sld>
-</file>
-
-<file path=ppt/slides/slide7.xml><?xml version="1.0" encoding="utf-8"?>
-<p:sld xmlns:a="http://schemas.openxmlformats.org/drawingml/2006/main" xmlns:r="http://schemas.openxmlformats.org/officeDocument/2006/relationships" xmlns:p="http://schemas.openxmlformats.org/presentationml/2006/main">
-  <p:cSld>
-    <p:spTree>
-      <p:nvGrpSpPr>
-        <p:cNvPr id="1" name=""/>
-        <p:cNvGrpSpPr/>
-        <p:nvPr/>
-      </p:nvGrpSpPr>
-      <p:grpSpPr>
-        <a:xfrm>
-          <a:off x="0" y="0"/>
-          <a:ext cx="0" cy="0"/>
-          <a:chOff x="0" y="0"/>
-          <a:chExt cx="0" cy="0"/>
-        </a:xfrm>
-      </p:grpSpPr>
-      <p:sp>
-        <p:nvSpPr>
           <p:cNvPr id="2" name="Titel 1"/>
           <p:cNvSpPr>
             <a:spLocks noGrp="1"/>
@@ -8734,6 +8685,62 @@
   <p:clrMapOvr>
     <a:masterClrMapping/>
   </p:clrMapOvr>
+</p:sld>
+</file>
+
+<file path=ppt/slides/slide7.xml><?xml version="1.0" encoding="utf-8"?>
+<p:sld xmlns:a="http://schemas.openxmlformats.org/drawingml/2006/main" xmlns:r="http://schemas.openxmlformats.org/officeDocument/2006/relationships" xmlns:p="http://schemas.openxmlformats.org/presentationml/2006/main">
+  <p:cSld>
+    <p:spTree>
+      <p:nvGrpSpPr>
+        <p:cNvPr id="1" name=""/>
+        <p:cNvGrpSpPr/>
+        <p:nvPr/>
+      </p:nvGrpSpPr>
+      <p:grpSpPr>
+        <a:xfrm>
+          <a:off x="0" y="0"/>
+          <a:ext cx="0" cy="0"/>
+          <a:chOff x="0" y="0"/>
+          <a:chExt cx="0" cy="0"/>
+        </a:xfrm>
+      </p:grpSpPr>
+      <p:sp>
+        <p:nvSpPr>
+          <p:cNvPr id="2" name="Title 1"/>
+          <p:cNvSpPr>
+            <a:spLocks noGrp="1"/>
+          </p:cNvSpPr>
+          <p:nvPr>
+            <p:ph type="title"/>
+          </p:nvPr>
+        </p:nvSpPr>
+        <p:spPr/>
+        <p:txBody>
+          <a:bodyPr/>
+          <a:lstStyle/>
+          <a:p>
+            <a:r>
+              <a:rPr lang="en-US" dirty="0"/>
+              <a:t>Threads Demo</a:t>
+            </a:r>
+            <a:endParaRPr lang="da-DK" dirty="0"/>
+          </a:p>
+        </p:txBody>
+      </p:sp>
+    </p:spTree>
+    <p:extLst>
+      <p:ext uri="{BB962C8B-B14F-4D97-AF65-F5344CB8AC3E}">
+        <p14:creationId xmlns:p14="http://schemas.microsoft.com/office/powerpoint/2010/main" val="3736204600"/>
+      </p:ext>
+    </p:extLst>
+  </p:cSld>
+  <p:clrMapOvr>
+    <a:masterClrMapping/>
+  </p:clrMapOvr>
+  <p:transition>
+    <p:fade/>
+  </p:transition>
 </p:sld>
 </file>
 
@@ -10130,12 +10137,58 @@
 </file>
 
 <file path=customXml/item1.xml><?xml version="1.0" encoding="utf-8"?>
-<?mso-contentType ?>
-<FormTemplates xmlns="http://schemas.microsoft.com/sharepoint/v3/contenttype/forms">
-  <Display>DocumentLibraryForm</Display>
-  <Edit>DocumentLibraryForm</Edit>
-  <New>DocumentLibraryForm</New>
-</FormTemplates>
+<p:properties xmlns:p="http://schemas.microsoft.com/office/2006/metadata/properties" xmlns:xsi="http://www.w3.org/2001/XMLSchema-instance" xmlns:pc="http://schemas.microsoft.com/office/infopath/2007/PartnerControls">
+  <documentManagement>
+    <TrackTaxHTField0 xmlns="2295e2e7-0eeb-498e-8716-217bb2ee6ee3">
+      <Terms xmlns="http://schemas.microsoft.com/office/infopath/2007/PartnerControls"/>
+    </TrackTaxHTField0>
+    <CampaignTaxHTField0 xmlns="2295e2e7-0eeb-498e-8716-217bb2ee6ee3">
+      <Terms xmlns="http://schemas.microsoft.com/office/infopath/2007/PartnerControls"/>
+    </CampaignTaxHTField0>
+    <Event_x0020_End_x0020_Date xmlns="2295e2e7-0eeb-498e-8716-217bb2ee6ee3" xsi:nil="true"/>
+    <Event_x0020_Start_x0020_Date xmlns="2295e2e7-0eeb-498e-8716-217bb2ee6ee3" xsi:nil="true"/>
+    <MS_x0020_Speaker xmlns="2295e2e7-0eeb-498e-8716-217bb2ee6ee3">
+      <UserInfo>
+        <DisplayName/>
+        <AccountId xsi:nil="true"/>
+        <AccountType/>
+      </UserInfo>
+    </MS_x0020_Speaker>
+    <External_x0020_Speaker xmlns="2295e2e7-0eeb-498e-8716-217bb2ee6ee3" xsi:nil="true"/>
+    <Session_x0020_Code xmlns="2295e2e7-0eeb-498e-8716-217bb2ee6ee3" xsi:nil="true"/>
+    <ProductTaxHTField0 xmlns="2295e2e7-0eeb-498e-8716-217bb2ee6ee3">
+      <Terms xmlns="http://schemas.microsoft.com/office/infopath/2007/PartnerControls"/>
+    </ProductTaxHTField0>
+    <Presentation_x0020_Date xmlns="2295e2e7-0eeb-498e-8716-217bb2ee6ee3" xsi:nil="true"/>
+    <Event_x0020_LocationTaxHTField0 xmlns="2295e2e7-0eeb-498e-8716-217bb2ee6ee3">
+      <Terms xmlns="http://schemas.microsoft.com/office/infopath/2007/PartnerControls"/>
+    </Event_x0020_LocationTaxHTField0>
+    <Event1TaxHTField0 xmlns="2295e2e7-0eeb-498e-8716-217bb2ee6ee3">
+      <Terms xmlns="http://schemas.microsoft.com/office/infopath/2007/PartnerControls">
+        <TermInfo xmlns="http://schemas.microsoft.com/office/infopath/2007/PartnerControls">
+          <TermName xmlns="http://schemas.microsoft.com/office/infopath/2007/PartnerControls">Unassigned</TermName>
+          <TermId xmlns="http://schemas.microsoft.com/office/infopath/2007/PartnerControls">e51362f4-782c-41a8-bb7b-e0cfc8669933</TermId>
+        </TermInfo>
+      </Terms>
+    </Event1TaxHTField0>
+    <AudienceTaxHTField0 xmlns="8b529f77-48ab-4581-b468-93f09345b8aa">
+      <Terms xmlns="http://schemas.microsoft.com/office/infopath/2007/PartnerControls"/>
+    </AudienceTaxHTField0>
+    <MS_x0020_Content_x0020_Owner xmlns="2295e2e7-0eeb-498e-8716-217bb2ee6ee3">
+      <UserInfo>
+        <DisplayName/>
+        <AccountId xsi:nil="true"/>
+        <AccountType/>
+      </UserInfo>
+    </MS_x0020_Content_x0020_Owner>
+    <TaxCatchAll xmlns="2295e2e7-0eeb-498e-8716-217bb2ee6ee3">
+      <Value>217</Value>
+    </TaxCatchAll>
+    <Event_x0020_VenueTaxHTField0 xmlns="2295e2e7-0eeb-498e-8716-217bb2ee6ee3">
+      <Terms xmlns="http://schemas.microsoft.com/office/infopath/2007/PartnerControls"/>
+    </Event_x0020_VenueTaxHTField0>
+  </documentManagement>
+</p:properties>
 </file>
 
 <file path=customXml/item2.xml><?xml version="1.0" encoding="utf-8"?>
@@ -10418,64 +10471,27 @@
 </file>
 
 <file path=customXml/item3.xml><?xml version="1.0" encoding="utf-8"?>
-<p:properties xmlns:p="http://schemas.microsoft.com/office/2006/metadata/properties" xmlns:xsi="http://www.w3.org/2001/XMLSchema-instance" xmlns:pc="http://schemas.microsoft.com/office/infopath/2007/PartnerControls">
-  <documentManagement>
-    <TrackTaxHTField0 xmlns="2295e2e7-0eeb-498e-8716-217bb2ee6ee3">
-      <Terms xmlns="http://schemas.microsoft.com/office/infopath/2007/PartnerControls"/>
-    </TrackTaxHTField0>
-    <CampaignTaxHTField0 xmlns="2295e2e7-0eeb-498e-8716-217bb2ee6ee3">
-      <Terms xmlns="http://schemas.microsoft.com/office/infopath/2007/PartnerControls"/>
-    </CampaignTaxHTField0>
-    <Event_x0020_End_x0020_Date xmlns="2295e2e7-0eeb-498e-8716-217bb2ee6ee3" xsi:nil="true"/>
-    <Event_x0020_Start_x0020_Date xmlns="2295e2e7-0eeb-498e-8716-217bb2ee6ee3" xsi:nil="true"/>
-    <MS_x0020_Speaker xmlns="2295e2e7-0eeb-498e-8716-217bb2ee6ee3">
-      <UserInfo>
-        <DisplayName/>
-        <AccountId xsi:nil="true"/>
-        <AccountType/>
-      </UserInfo>
-    </MS_x0020_Speaker>
-    <External_x0020_Speaker xmlns="2295e2e7-0eeb-498e-8716-217bb2ee6ee3" xsi:nil="true"/>
-    <Session_x0020_Code xmlns="2295e2e7-0eeb-498e-8716-217bb2ee6ee3" xsi:nil="true"/>
-    <ProductTaxHTField0 xmlns="2295e2e7-0eeb-498e-8716-217bb2ee6ee3">
-      <Terms xmlns="http://schemas.microsoft.com/office/infopath/2007/PartnerControls"/>
-    </ProductTaxHTField0>
-    <Presentation_x0020_Date xmlns="2295e2e7-0eeb-498e-8716-217bb2ee6ee3" xsi:nil="true"/>
-    <Event_x0020_LocationTaxHTField0 xmlns="2295e2e7-0eeb-498e-8716-217bb2ee6ee3">
-      <Terms xmlns="http://schemas.microsoft.com/office/infopath/2007/PartnerControls"/>
-    </Event_x0020_LocationTaxHTField0>
-    <Event1TaxHTField0 xmlns="2295e2e7-0eeb-498e-8716-217bb2ee6ee3">
-      <Terms xmlns="http://schemas.microsoft.com/office/infopath/2007/PartnerControls">
-        <TermInfo xmlns="http://schemas.microsoft.com/office/infopath/2007/PartnerControls">
-          <TermName xmlns="http://schemas.microsoft.com/office/infopath/2007/PartnerControls">Unassigned</TermName>
-          <TermId xmlns="http://schemas.microsoft.com/office/infopath/2007/PartnerControls">e51362f4-782c-41a8-bb7b-e0cfc8669933</TermId>
-        </TermInfo>
-      </Terms>
-    </Event1TaxHTField0>
-    <AudienceTaxHTField0 xmlns="8b529f77-48ab-4581-b468-93f09345b8aa">
-      <Terms xmlns="http://schemas.microsoft.com/office/infopath/2007/PartnerControls"/>
-    </AudienceTaxHTField0>
-    <MS_x0020_Content_x0020_Owner xmlns="2295e2e7-0eeb-498e-8716-217bb2ee6ee3">
-      <UserInfo>
-        <DisplayName/>
-        <AccountId xsi:nil="true"/>
-        <AccountType/>
-      </UserInfo>
-    </MS_x0020_Content_x0020_Owner>
-    <TaxCatchAll xmlns="2295e2e7-0eeb-498e-8716-217bb2ee6ee3">
-      <Value>217</Value>
-    </TaxCatchAll>
-    <Event_x0020_VenueTaxHTField0 xmlns="2295e2e7-0eeb-498e-8716-217bb2ee6ee3">
-      <Terms xmlns="http://schemas.microsoft.com/office/infopath/2007/PartnerControls"/>
-    </Event_x0020_VenueTaxHTField0>
-  </documentManagement>
-</p:properties>
+<?mso-contentType ?>
+<FormTemplates xmlns="http://schemas.microsoft.com/sharepoint/v3/contenttype/forms">
+  <Display>DocumentLibraryForm</Display>
+  <Edit>DocumentLibraryForm</Edit>
+  <New>DocumentLibraryForm</New>
+</FormTemplates>
 </file>
 
 <file path=customXml/itemProps1.xml><?xml version="1.0" encoding="utf-8"?>
-<ds:datastoreItem xmlns:ds="http://schemas.openxmlformats.org/officeDocument/2006/customXml" ds:itemID="{758FDAC0-319D-4A54-8D8E-1D42CB1F8004}">
+<ds:datastoreItem xmlns:ds="http://schemas.openxmlformats.org/officeDocument/2006/customXml" ds:itemID="{F990F116-B58F-4255-B05B-DA3808E0E5C6}">
   <ds:schemaRefs>
-    <ds:schemaRef ds:uri="http://schemas.microsoft.com/sharepoint/v3/contenttype/forms"/>
+    <ds:schemaRef ds:uri="http://purl.org/dc/terms/"/>
+    <ds:schemaRef ds:uri="http://schemas.microsoft.com/office/2006/metadata/properties"/>
+    <ds:schemaRef ds:uri="http://www.w3.org/XML/1998/namespace"/>
+    <ds:schemaRef ds:uri="http://schemas.microsoft.com/office/2006/documentManagement/types"/>
+    <ds:schemaRef ds:uri="8b529f77-48ab-4581-b468-93f09345b8aa"/>
+    <ds:schemaRef ds:uri="http://schemas.microsoft.com/office/infopath/2007/PartnerControls"/>
+    <ds:schemaRef ds:uri="http://purl.org/dc/dcmitype/"/>
+    <ds:schemaRef ds:uri="http://schemas.openxmlformats.org/package/2006/metadata/core-properties"/>
+    <ds:schemaRef ds:uri="2295e2e7-0eeb-498e-8716-217bb2ee6ee3"/>
+    <ds:schemaRef ds:uri="http://purl.org/dc/elements/1.1/"/>
   </ds:schemaRefs>
 </ds:datastoreItem>
 </file>
@@ -10500,18 +10516,9 @@
 </file>
 
 <file path=customXml/itemProps3.xml><?xml version="1.0" encoding="utf-8"?>
-<ds:datastoreItem xmlns:ds="http://schemas.openxmlformats.org/officeDocument/2006/customXml" ds:itemID="{F990F116-B58F-4255-B05B-DA3808E0E5C6}">
+<ds:datastoreItem xmlns:ds="http://schemas.openxmlformats.org/officeDocument/2006/customXml" ds:itemID="{758FDAC0-319D-4A54-8D8E-1D42CB1F8004}">
   <ds:schemaRefs>
-    <ds:schemaRef ds:uri="http://purl.org/dc/terms/"/>
-    <ds:schemaRef ds:uri="http://schemas.microsoft.com/office/2006/metadata/properties"/>
-    <ds:schemaRef ds:uri="http://www.w3.org/XML/1998/namespace"/>
-    <ds:schemaRef ds:uri="http://schemas.microsoft.com/office/2006/documentManagement/types"/>
-    <ds:schemaRef ds:uri="8b529f77-48ab-4581-b468-93f09345b8aa"/>
-    <ds:schemaRef ds:uri="http://schemas.microsoft.com/office/infopath/2007/PartnerControls"/>
-    <ds:schemaRef ds:uri="http://purl.org/dc/dcmitype/"/>
-    <ds:schemaRef ds:uri="http://schemas.openxmlformats.org/package/2006/metadata/core-properties"/>
-    <ds:schemaRef ds:uri="2295e2e7-0eeb-498e-8716-217bb2ee6ee3"/>
-    <ds:schemaRef ds:uri="http://purl.org/dc/elements/1.1/"/>
+    <ds:schemaRef ds:uri="http://schemas.microsoft.com/sharepoint/v3/contenttype/forms"/>
   </ds:schemaRefs>
 </ds:datastoreItem>
 </file>